--- a/实验室/Academic Presentation-06-General Template-for-PowerPoint.pptx
+++ b/实验室/Academic Presentation-06-General Template-for-PowerPoint.pptx
@@ -5599,7 +5599,9 @@
           </a:xfrm>
         </p:spPr>
         <p:txBody>
-          <a:bodyPr/>
+          <a:bodyPr>
+            <a:normAutofit lnSpcReduction="10000"/>
+          </a:bodyPr>
           <a:lstStyle/>
           <a:p>
             <a:pPr algn="ctr">
@@ -5625,8 +5627,22 @@
             </a:pPr>
             <a:r>
               <a:rPr lang="en-US" sz="1600" dirty="0"/>
-              <a:t>QM number : 130801256</a:t>
-            </a:r>
+              <a:t>QM number : </a:t>
+            </a:r>
+            <a:r>
+              <a:rPr lang="en-US" sz="1600" dirty="0" smtClean="0"/>
+              <a:t>130801256</a:t>
+            </a:r>
+          </a:p>
+          <a:p>
+            <a:pPr algn="ctr">
+              <a:defRPr/>
+            </a:pPr>
+            <a:r>
+              <a:rPr lang="en-US" sz="1600" dirty="0" smtClean="0"/>
+              <a:t>Project No. : RC_3144</a:t>
+            </a:r>
+            <a:endParaRPr lang="en-US" sz="1600" dirty="0"/>
           </a:p>
           <a:p>
             <a:endParaRPr lang="en-US" dirty="0"/>
@@ -7013,8 +7029,8 @@
         </p:nvSpPr>
         <p:spPr>
           <a:xfrm>
-            <a:off x="1209964" y="3362037"/>
-            <a:ext cx="960582" cy="369332"/>
+            <a:off x="1209963" y="3362037"/>
+            <a:ext cx="1118323" cy="369332"/>
           </a:xfrm>
           <a:prstGeom prst="rect">
             <a:avLst/>
@@ -7048,7 +7064,7 @@
         <p:spPr>
           <a:xfrm>
             <a:off x="2627745" y="3362037"/>
-            <a:ext cx="1246909" cy="369332"/>
+            <a:ext cx="1398584" cy="369332"/>
           </a:xfrm>
           <a:prstGeom prst="rect">
             <a:avLst/>
@@ -8346,12 +8362,6 @@
 </file>
 
 <file path=customXml/item2.xml><?xml version="1.0" encoding="utf-8"?>
-<p:properties xmlns:p="http://schemas.microsoft.com/office/2006/metadata/properties" xmlns:xsi="http://www.w3.org/2001/XMLSchema-instance" xmlns:pc="http://schemas.microsoft.com/office/infopath/2007/PartnerControls">
-  <documentManagement/>
-</p:properties>
-</file>
-
-<file path=customXml/item3.xml><?xml version="1.0" encoding="utf-8"?>
 <ct:contentTypeSchema xmlns:ct="http://schemas.microsoft.com/office/2006/metadata/contentType" xmlns:ma="http://schemas.microsoft.com/office/2006/metadata/properties/metaAttributes" ct:_="" ma:_="" ma:contentTypeName="Document" ma:contentTypeID="0x0101007C1D5F340F01F94FA2FD29A5E6DC872E" ma:contentTypeVersion="0" ma:contentTypeDescription="Create a new document." ma:contentTypeScope="" ma:versionID="f583bd66513a361a730282b6a794e352">
   <xsd:schema xmlns:xsd="http://www.w3.org/2001/XMLSchema" xmlns:xs="http://www.w3.org/2001/XMLSchema" xmlns:p="http://schemas.microsoft.com/office/2006/metadata/properties" targetNamespace="http://schemas.microsoft.com/office/2006/metadata/properties" ma:root="true" ma:fieldsID="6841151cf538834e171094e4faaf2d73">
     <xsd:element name="properties">
@@ -8465,6 +8475,12 @@
 </ct:contentTypeSchema>
 </file>
 
+<file path=customXml/item3.xml><?xml version="1.0" encoding="utf-8"?>
+<p:properties xmlns:p="http://schemas.microsoft.com/office/2006/metadata/properties" xmlns:xsi="http://www.w3.org/2001/XMLSchema-instance" xmlns:pc="http://schemas.microsoft.com/office/infopath/2007/PartnerControls">
+  <documentManagement/>
+</p:properties>
+</file>
+
 <file path=customXml/itemProps1.xml><?xml version="1.0" encoding="utf-8"?>
 <ds:datastoreItem xmlns:ds="http://schemas.openxmlformats.org/officeDocument/2006/customXml" ds:itemID="{5F22C80C-2A12-4ADF-A25C-A987BFB8D79E}">
   <ds:schemaRefs>
@@ -8474,21 +8490,6 @@
 </file>
 
 <file path=customXml/itemProps2.xml><?xml version="1.0" encoding="utf-8"?>
-<ds:datastoreItem xmlns:ds="http://schemas.openxmlformats.org/officeDocument/2006/customXml" ds:itemID="{AC159749-484A-4444-8368-710F51146B8D}">
-  <ds:schemaRefs>
-    <ds:schemaRef ds:uri="http://schemas.microsoft.com/office/2006/documentManagement/types"/>
-    <ds:schemaRef ds:uri="http://schemas.openxmlformats.org/package/2006/metadata/core-properties"/>
-    <ds:schemaRef ds:uri="http://purl.org/dc/elements/1.1/"/>
-    <ds:schemaRef ds:uri="http://schemas.microsoft.com/office/infopath/2007/PartnerControls"/>
-    <ds:schemaRef ds:uri="http://schemas.microsoft.com/office/2006/metadata/properties"/>
-    <ds:schemaRef ds:uri="http://purl.org/dc/dcmitype/"/>
-    <ds:schemaRef ds:uri="http://www.w3.org/XML/1998/namespace"/>
-    <ds:schemaRef ds:uri="http://purl.org/dc/terms/"/>
-  </ds:schemaRefs>
-</ds:datastoreItem>
-</file>
-
-<file path=customXml/itemProps3.xml><?xml version="1.0" encoding="utf-8"?>
 <ds:datastoreItem xmlns:ds="http://schemas.openxmlformats.org/officeDocument/2006/customXml" ds:itemID="{57E0F479-A72A-4310-AA64-690A596FA534}">
   <ds:schemaRefs>
     <ds:schemaRef ds:uri="http://schemas.microsoft.com/office/2006/metadata/contentType"/>
@@ -8502,4 +8503,19 @@
     <ds:schemaRef ds:uri="http://schemas.microsoft.com/office/infopath/2007/PartnerControls"/>
   </ds:schemaRefs>
 </ds:datastoreItem>
+</file>
+
+<file path=customXml/itemProps3.xml><?xml version="1.0" encoding="utf-8"?>
+<ds:datastoreItem xmlns:ds="http://schemas.openxmlformats.org/officeDocument/2006/customXml" ds:itemID="{AC159749-484A-4444-8368-710F51146B8D}">
+  <ds:schemaRefs>
+    <ds:schemaRef ds:uri="http://schemas.microsoft.com/office/2006/documentManagement/types"/>
+    <ds:schemaRef ds:uri="http://schemas.openxmlformats.org/package/2006/metadata/core-properties"/>
+    <ds:schemaRef ds:uri="http://purl.org/dc/elements/1.1/"/>
+    <ds:schemaRef ds:uri="http://schemas.microsoft.com/office/infopath/2007/PartnerControls"/>
+    <ds:schemaRef ds:uri="http://schemas.microsoft.com/office/2006/metadata/properties"/>
+    <ds:schemaRef ds:uri="http://purl.org/dc/dcmitype/"/>
+    <ds:schemaRef ds:uri="http://www.w3.org/XML/1998/namespace"/>
+    <ds:schemaRef ds:uri="http://purl.org/dc/terms/"/>
+  </ds:schemaRefs>
+</ds:datastoreItem>
 </file>